--- a/Thermo 2022 (Neshyba)/Lectures/Week 4 - Internal energy, U/Week 4.3 - Interpreting U(T,V).pptx
+++ b/Thermo 2022 (Neshyba)/Lectures/Week 4 - Internal energy, U/Week 4.3 - Interpreting U(T,V).pptx
@@ -263,7 +263,7 @@
           <a:p>
             <a:fld id="{7CB350FC-BF98-A74E-AD79-FA6ECB385464}" type="datetimeFigureOut">
               <a:rPr lang="en-US" smtClean="0"/>
-              <a:t>9/27/21</a:t>
+              <a:t>9/17/22</a:t>
             </a:fld>
             <a:endParaRPr lang="en-US"/>
           </a:p>
@@ -461,7 +461,7 @@
           <a:p>
             <a:fld id="{7CB350FC-BF98-A74E-AD79-FA6ECB385464}" type="datetimeFigureOut">
               <a:rPr lang="en-US" smtClean="0"/>
-              <a:t>9/27/21</a:t>
+              <a:t>9/17/22</a:t>
             </a:fld>
             <a:endParaRPr lang="en-US"/>
           </a:p>
@@ -669,7 +669,7 @@
           <a:p>
             <a:fld id="{7CB350FC-BF98-A74E-AD79-FA6ECB385464}" type="datetimeFigureOut">
               <a:rPr lang="en-US" smtClean="0"/>
-              <a:t>9/27/21</a:t>
+              <a:t>9/17/22</a:t>
             </a:fld>
             <a:endParaRPr lang="en-US"/>
           </a:p>
@@ -867,7 +867,7 @@
           <a:p>
             <a:fld id="{7CB350FC-BF98-A74E-AD79-FA6ECB385464}" type="datetimeFigureOut">
               <a:rPr lang="en-US" smtClean="0"/>
-              <a:t>9/27/21</a:t>
+              <a:t>9/17/22</a:t>
             </a:fld>
             <a:endParaRPr lang="en-US"/>
           </a:p>
@@ -1142,7 +1142,7 @@
           <a:p>
             <a:fld id="{7CB350FC-BF98-A74E-AD79-FA6ECB385464}" type="datetimeFigureOut">
               <a:rPr lang="en-US" smtClean="0"/>
-              <a:t>9/27/21</a:t>
+              <a:t>9/17/22</a:t>
             </a:fld>
             <a:endParaRPr lang="en-US"/>
           </a:p>
@@ -1407,7 +1407,7 @@
           <a:p>
             <a:fld id="{7CB350FC-BF98-A74E-AD79-FA6ECB385464}" type="datetimeFigureOut">
               <a:rPr lang="en-US" smtClean="0"/>
-              <a:t>9/27/21</a:t>
+              <a:t>9/17/22</a:t>
             </a:fld>
             <a:endParaRPr lang="en-US"/>
           </a:p>
@@ -1819,7 +1819,7 @@
           <a:p>
             <a:fld id="{7CB350FC-BF98-A74E-AD79-FA6ECB385464}" type="datetimeFigureOut">
               <a:rPr lang="en-US" smtClean="0"/>
-              <a:t>9/27/21</a:t>
+              <a:t>9/17/22</a:t>
             </a:fld>
             <a:endParaRPr lang="en-US"/>
           </a:p>
@@ -1960,7 +1960,7 @@
           <a:p>
             <a:fld id="{7CB350FC-BF98-A74E-AD79-FA6ECB385464}" type="datetimeFigureOut">
               <a:rPr lang="en-US" smtClean="0"/>
-              <a:t>9/27/21</a:t>
+              <a:t>9/17/22</a:t>
             </a:fld>
             <a:endParaRPr lang="en-US"/>
           </a:p>
@@ -2073,7 +2073,7 @@
           <a:p>
             <a:fld id="{7CB350FC-BF98-A74E-AD79-FA6ECB385464}" type="datetimeFigureOut">
               <a:rPr lang="en-US" smtClean="0"/>
-              <a:t>9/27/21</a:t>
+              <a:t>9/17/22</a:t>
             </a:fld>
             <a:endParaRPr lang="en-US"/>
           </a:p>
@@ -2384,7 +2384,7 @@
           <a:p>
             <a:fld id="{7CB350FC-BF98-A74E-AD79-FA6ECB385464}" type="datetimeFigureOut">
               <a:rPr lang="en-US" smtClean="0"/>
-              <a:t>9/27/21</a:t>
+              <a:t>9/17/22</a:t>
             </a:fld>
             <a:endParaRPr lang="en-US"/>
           </a:p>
@@ -2672,7 +2672,7 @@
           <a:p>
             <a:fld id="{7CB350FC-BF98-A74E-AD79-FA6ECB385464}" type="datetimeFigureOut">
               <a:rPr lang="en-US" smtClean="0"/>
-              <a:t>9/27/21</a:t>
+              <a:t>9/17/22</a:t>
             </a:fld>
             <a:endParaRPr lang="en-US"/>
           </a:p>
@@ -2913,7 +2913,7 @@
           <a:p>
             <a:fld id="{7CB350FC-BF98-A74E-AD79-FA6ECB385464}" type="datetimeFigureOut">
               <a:rPr lang="en-US" smtClean="0"/>
-              <a:t>9/27/21</a:t>
+              <a:t>9/17/22</a:t>
             </a:fld>
             <a:endParaRPr lang="en-US"/>
           </a:p>
@@ -3542,46 +3542,185 @@
             </a:r>
             <a:r>
               <a:rPr lang="en-US" sz="2400" dirty="0"/>
-              <a:t>. That means there can’t be any volume dependence of the internal energy on volume: </a:t>
-            </a:r>
-          </a:p>
-        </p:txBody>
-      </p:sp>
-      <p:sp>
-        <p:nvSpPr>
-          <p:cNvPr id="9" name="TextBox 8">
-            <a:extLst>
-              <a:ext uri="{FF2B5EF4-FFF2-40B4-BE49-F238E27FC236}">
-                <a16:creationId xmlns:a16="http://schemas.microsoft.com/office/drawing/2014/main" id="{69448B6B-B25E-4B49-807E-C00BD832EBCE}"/>
-              </a:ext>
-            </a:extLst>
-          </p:cNvPr>
-          <p:cNvSpPr txBox="1"/>
-          <p:nvPr/>
-        </p:nvSpPr>
-        <p:spPr>
-          <a:xfrm>
-            <a:off x="977193" y="2655881"/>
-            <a:ext cx="11155680" cy="461665"/>
-          </a:xfrm>
-          <a:prstGeom prst="rect">
-            <a:avLst/>
-          </a:prstGeom>
-          <a:noFill/>
-        </p:spPr>
-        <p:txBody>
-          <a:bodyPr wrap="square" rtlCol="0">
-            <a:spAutoFit/>
-          </a:bodyPr>
-          <a:lstStyle/>
-          <a:p>
+              <a:t>. That means there </a:t>
+            </a:r>
+            <a:r>
+              <a:rPr lang="en-US" sz="2400" b="1" dirty="0"/>
+              <a:t>can’t be any volume dependence </a:t>
+            </a:r>
             <a:r>
               <a:rPr lang="en-US" sz="2400" dirty="0"/>
-              <a:t>In contrast, real gases have intermolecular interactions (esp. at low volume): </a:t>
-            </a:r>
-          </a:p>
-        </p:txBody>
-      </p:sp>
+              <a:t>of the internal energy on volume: </a:t>
+            </a:r>
+          </a:p>
+        </p:txBody>
+      </p:sp>
+      <mc:AlternateContent xmlns:mc="http://schemas.openxmlformats.org/markup-compatibility/2006">
+        <mc:Choice xmlns:a14="http://schemas.microsoft.com/office/drawing/2010/main" Requires="a14">
+          <p:sp>
+            <p:nvSpPr>
+              <p:cNvPr id="9" name="TextBox 8">
+                <a:extLst>
+                  <a:ext uri="{FF2B5EF4-FFF2-40B4-BE49-F238E27FC236}">
+                    <a16:creationId xmlns:a16="http://schemas.microsoft.com/office/drawing/2014/main" id="{69448B6B-B25E-4B49-807E-C00BD832EBCE}"/>
+                  </a:ext>
+                </a:extLst>
+              </p:cNvPr>
+              <p:cNvSpPr txBox="1"/>
+              <p:nvPr/>
+            </p:nvSpPr>
+            <p:spPr>
+              <a:xfrm>
+                <a:off x="977193" y="2655881"/>
+                <a:ext cx="11155680" cy="830997"/>
+              </a:xfrm>
+              <a:prstGeom prst="rect">
+                <a:avLst/>
+              </a:prstGeom>
+              <a:noFill/>
+            </p:spPr>
+            <p:txBody>
+              <a:bodyPr wrap="square" rtlCol="0">
+                <a:spAutoFit/>
+              </a:bodyPr>
+              <a:lstStyle/>
+              <a:p>
+                <a:r>
+                  <a:rPr lang="en-US" sz="2400" dirty="0"/>
+                  <a:t>In contrast, </a:t>
+                </a:r>
+                <a:r>
+                  <a:rPr lang="en-US" sz="2400" b="1" dirty="0"/>
+                  <a:t>real gases </a:t>
+                </a:r>
+                <a:r>
+                  <a:rPr lang="en-US" sz="2400" dirty="0"/>
+                  <a:t>have</a:t>
+                </a:r>
+                <a:r>
+                  <a:rPr lang="en-US" sz="2400" b="1" dirty="0"/>
+                  <a:t> intermolecular interactions</a:t>
+                </a:r>
+                <a:r>
+                  <a:rPr lang="en-US" sz="2400" dirty="0"/>
+                  <a:t>. These interactions are</a:t>
+                </a:r>
+                <a:r>
+                  <a:rPr lang="en-US" sz="2400" b="1" dirty="0"/>
+                  <a:t> </a:t>
+                </a:r>
+                <a:r>
+                  <a:rPr lang="en-US" sz="2400" dirty="0"/>
+                  <a:t>increasingly prominent at low volume (so obviously, </a:t>
+                </a:r>
+                <a14:m>
+                  <m:oMath xmlns:m="http://schemas.openxmlformats.org/officeDocument/2006/math">
+                    <m:sSub>
+                      <m:sSubPr>
+                        <m:ctrlPr>
+                          <a:rPr lang="en-US" sz="2400" b="0" i="1" smtClean="0">
+                            <a:solidFill>
+                              <a:schemeClr val="tx1"/>
+                            </a:solidFill>
+                            <a:latin typeface="Cambria Math" panose="02040503050406030204" pitchFamily="18" charset="0"/>
+                          </a:rPr>
+                        </m:ctrlPr>
+                      </m:sSubPr>
+                      <m:e>
+                        <m:r>
+                          <a:rPr lang="en-US" sz="2400" b="0" i="1" smtClean="0">
+                            <a:solidFill>
+                              <a:schemeClr val="tx1"/>
+                            </a:solidFill>
+                            <a:latin typeface="Cambria Math" panose="02040503050406030204" pitchFamily="18" charset="0"/>
+                          </a:rPr>
+                          <m:t>𝑈</m:t>
+                        </m:r>
+                      </m:e>
+                      <m:sub>
+                        <m:r>
+                          <a:rPr lang="en-US" sz="2400" b="0" i="1" smtClean="0">
+                            <a:solidFill>
+                              <a:schemeClr val="tx1"/>
+                            </a:solidFill>
+                            <a:latin typeface="Cambria Math" panose="02040503050406030204" pitchFamily="18" charset="0"/>
+                          </a:rPr>
+                          <m:t>𝑟𝑒𝑎𝑙</m:t>
+                        </m:r>
+                      </m:sub>
+                    </m:sSub>
+                    <m:r>
+                      <a:rPr lang="en-US" sz="2400" b="0" i="1" smtClean="0">
+                        <a:solidFill>
+                          <a:schemeClr val="tx1"/>
+                        </a:solidFill>
+                        <a:latin typeface="Cambria Math" panose="02040503050406030204" pitchFamily="18" charset="0"/>
+                      </a:rPr>
+                      <m:t> </m:t>
+                    </m:r>
+                  </m:oMath>
+                </a14:m>
+                <a:r>
+                  <a:rPr lang="en-US" sz="2400" dirty="0"/>
+                  <a:t>is </a:t>
+                </a:r>
+                <a:r>
+                  <a:rPr lang="en-US" sz="2400" b="1" dirty="0"/>
+                  <a:t>volume-dependent</a:t>
+                </a:r>
+                <a:r>
+                  <a:rPr lang="en-US" sz="2400" dirty="0"/>
+                  <a:t>): </a:t>
+                </a:r>
+              </a:p>
+            </p:txBody>
+          </p:sp>
+        </mc:Choice>
+        <mc:Fallback>
+          <p:sp>
+            <p:nvSpPr>
+              <p:cNvPr id="9" name="TextBox 8">
+                <a:extLst>
+                  <a:ext uri="{FF2B5EF4-FFF2-40B4-BE49-F238E27FC236}">
+                    <a16:creationId xmlns:a16="http://schemas.microsoft.com/office/drawing/2014/main" id="{69448B6B-B25E-4B49-807E-C00BD832EBCE}"/>
+                  </a:ext>
+                </a:extLst>
+              </p:cNvPr>
+              <p:cNvSpPr txBox="1">
+                <a:spLocks noRot="1" noChangeAspect="1" noMove="1" noResize="1" noEditPoints="1" noAdjustHandles="1" noChangeArrowheads="1" noChangeShapeType="1" noTextEdit="1"/>
+              </p:cNvSpPr>
+              <p:nvPr/>
+            </p:nvSpPr>
+            <p:spPr>
+              <a:xfrm>
+                <a:off x="977193" y="2655881"/>
+                <a:ext cx="11155680" cy="830997"/>
+              </a:xfrm>
+              <a:prstGeom prst="rect">
+                <a:avLst/>
+              </a:prstGeom>
+              <a:blipFill>
+                <a:blip r:embed="rId2"/>
+                <a:stretch>
+                  <a:fillRect l="-795" t="-6061" b="-15152"/>
+                </a:stretch>
+              </a:blipFill>
+            </p:spPr>
+            <p:txBody>
+              <a:bodyPr/>
+              <a:lstStyle/>
+              <a:p>
+                <a:r>
+                  <a:rPr lang="en-US">
+                    <a:noFill/>
+                  </a:rPr>
+                  <a:t> </a:t>
+                </a:r>
+              </a:p>
+            </p:txBody>
+          </p:sp>
+        </mc:Fallback>
+      </mc:AlternateContent>
       <mc:AlternateContent xmlns:mc="http://schemas.openxmlformats.org/markup-compatibility/2006" xmlns:a14="http://schemas.microsoft.com/office/drawing/2010/main">
         <mc:Choice Requires="a14">
           <p:sp>
@@ -3963,7 +4102,7 @@
                 <a:avLst/>
               </a:prstGeom>
               <a:blipFill>
-                <a:blip r:embed="rId2"/>
+                <a:blip r:embed="rId3"/>
                 <a:stretch>
                   <a:fillRect l="-159" b="-4688"/>
                 </a:stretch>
@@ -4000,7 +4139,7 @@
             </p:nvSpPr>
             <p:spPr>
               <a:xfrm>
-                <a:off x="977193" y="3342397"/>
+                <a:off x="977193" y="3692356"/>
                 <a:ext cx="10534241" cy="796115"/>
               </a:xfrm>
               <a:prstGeom prst="rect">
@@ -4462,16 +4601,16 @@
             </p:nvSpPr>
             <p:spPr>
               <a:xfrm>
-                <a:off x="977193" y="3342397"/>
+                <a:off x="977193" y="3692356"/>
                 <a:ext cx="10534241" cy="796115"/>
               </a:xfrm>
               <a:prstGeom prst="rect">
                 <a:avLst/>
               </a:prstGeom>
               <a:blipFill>
-                <a:blip r:embed="rId3"/>
+                <a:blip r:embed="rId4"/>
                 <a:stretch>
-                  <a:fillRect l="-120" b="-6349"/>
+                  <a:fillRect l="-120" b="-4688"/>
                 </a:stretch>
               </a:blipFill>
             </p:spPr>
@@ -4675,7 +4814,7 @@
                 <a:avLst/>
               </a:prstGeom>
               <a:blipFill>
-                <a:blip r:embed="rId4"/>
+                <a:blip r:embed="rId5"/>
                 <a:stretch>
                   <a:fillRect l="-771" t="-3797" b="-5063"/>
                 </a:stretch>
